--- a/p.pptx
+++ b/p.pptx
@@ -2988,7 +2988,7 @@
           <a:p>
             <a:r>
               <a:rPr lang="en-US" altLang="ko-KR" dirty="0" smtClean="0"/>
-              <a:t>1</a:t>
+              <a:t>2</a:t>
             </a:r>
             <a:endParaRPr lang="ko-KR" altLang="en-US" dirty="0"/>
           </a:p>

--- a/p.pptx
+++ b/p.pptx
@@ -104,6 +104,11 @@
       </a:defRPr>
     </a:lvl9pPr>
   </p:defaultTextStyle>
+  <p:extLst>
+    <p:ext uri="{EFAFB233-063F-42B5-8137-9DF3F51BA10A}">
+      <p15:sldGuideLst xmlns:p15="http://schemas.microsoft.com/office/powerpoint/2012/main"/>
+    </p:ext>
+  </p:extLst>
 </p:presentation>
 </file>
 
@@ -238,7 +243,7 @@
           <a:p>
             <a:fld id="{41F90A0D-13B1-4173-AAA4-7E71657A272E}" type="datetimeFigureOut">
               <a:rPr lang="ko-KR" altLang="en-US" smtClean="0"/>
-              <a:t>2022-08-01</a:t>
+              <a:t>2022-08-02</a:t>
             </a:fld>
             <a:endParaRPr lang="ko-KR" altLang="en-US"/>
           </a:p>
@@ -408,7 +413,7 @@
           <a:p>
             <a:fld id="{41F90A0D-13B1-4173-AAA4-7E71657A272E}" type="datetimeFigureOut">
               <a:rPr lang="ko-KR" altLang="en-US" smtClean="0"/>
-              <a:t>2022-08-01</a:t>
+              <a:t>2022-08-02</a:t>
             </a:fld>
             <a:endParaRPr lang="ko-KR" altLang="en-US"/>
           </a:p>
@@ -588,7 +593,7 @@
           <a:p>
             <a:fld id="{41F90A0D-13B1-4173-AAA4-7E71657A272E}" type="datetimeFigureOut">
               <a:rPr lang="ko-KR" altLang="en-US" smtClean="0"/>
-              <a:t>2022-08-01</a:t>
+              <a:t>2022-08-02</a:t>
             </a:fld>
             <a:endParaRPr lang="ko-KR" altLang="en-US"/>
           </a:p>
@@ -758,7 +763,7 @@
           <a:p>
             <a:fld id="{41F90A0D-13B1-4173-AAA4-7E71657A272E}" type="datetimeFigureOut">
               <a:rPr lang="ko-KR" altLang="en-US" smtClean="0"/>
-              <a:t>2022-08-01</a:t>
+              <a:t>2022-08-02</a:t>
             </a:fld>
             <a:endParaRPr lang="ko-KR" altLang="en-US"/>
           </a:p>
@@ -1004,7 +1009,7 @@
           <a:p>
             <a:fld id="{41F90A0D-13B1-4173-AAA4-7E71657A272E}" type="datetimeFigureOut">
               <a:rPr lang="ko-KR" altLang="en-US" smtClean="0"/>
-              <a:t>2022-08-01</a:t>
+              <a:t>2022-08-02</a:t>
             </a:fld>
             <a:endParaRPr lang="ko-KR" altLang="en-US"/>
           </a:p>
@@ -1236,7 +1241,7 @@
           <a:p>
             <a:fld id="{41F90A0D-13B1-4173-AAA4-7E71657A272E}" type="datetimeFigureOut">
               <a:rPr lang="ko-KR" altLang="en-US" smtClean="0"/>
-              <a:t>2022-08-01</a:t>
+              <a:t>2022-08-02</a:t>
             </a:fld>
             <a:endParaRPr lang="ko-KR" altLang="en-US"/>
           </a:p>
@@ -1603,7 +1608,7 @@
           <a:p>
             <a:fld id="{41F90A0D-13B1-4173-AAA4-7E71657A272E}" type="datetimeFigureOut">
               <a:rPr lang="ko-KR" altLang="en-US" smtClean="0"/>
-              <a:t>2022-08-01</a:t>
+              <a:t>2022-08-02</a:t>
             </a:fld>
             <a:endParaRPr lang="ko-KR" altLang="en-US"/>
           </a:p>
@@ -1721,7 +1726,7 @@
           <a:p>
             <a:fld id="{41F90A0D-13B1-4173-AAA4-7E71657A272E}" type="datetimeFigureOut">
               <a:rPr lang="ko-KR" altLang="en-US" smtClean="0"/>
-              <a:t>2022-08-01</a:t>
+              <a:t>2022-08-02</a:t>
             </a:fld>
             <a:endParaRPr lang="ko-KR" altLang="en-US"/>
           </a:p>
@@ -1816,7 +1821,7 @@
           <a:p>
             <a:fld id="{41F90A0D-13B1-4173-AAA4-7E71657A272E}" type="datetimeFigureOut">
               <a:rPr lang="ko-KR" altLang="en-US" smtClean="0"/>
-              <a:t>2022-08-01</a:t>
+              <a:t>2022-08-02</a:t>
             </a:fld>
             <a:endParaRPr lang="ko-KR" altLang="en-US"/>
           </a:p>
@@ -2093,7 +2098,7 @@
           <a:p>
             <a:fld id="{41F90A0D-13B1-4173-AAA4-7E71657A272E}" type="datetimeFigureOut">
               <a:rPr lang="ko-KR" altLang="en-US" smtClean="0"/>
-              <a:t>2022-08-01</a:t>
+              <a:t>2022-08-02</a:t>
             </a:fld>
             <a:endParaRPr lang="ko-KR" altLang="en-US"/>
           </a:p>
@@ -2346,7 +2351,7 @@
           <a:p>
             <a:fld id="{41F90A0D-13B1-4173-AAA4-7E71657A272E}" type="datetimeFigureOut">
               <a:rPr lang="ko-KR" altLang="en-US" smtClean="0"/>
-              <a:t>2022-08-01</a:t>
+              <a:t>2022-08-02</a:t>
             </a:fld>
             <a:endParaRPr lang="ko-KR" altLang="en-US"/>
           </a:p>
@@ -2559,7 +2564,7 @@
           <a:p>
             <a:fld id="{41F90A0D-13B1-4173-AAA4-7E71657A272E}" type="datetimeFigureOut">
               <a:rPr lang="ko-KR" altLang="en-US" smtClean="0"/>
-              <a:t>2022-08-01</a:t>
+              <a:t>2022-08-02</a:t>
             </a:fld>
             <a:endParaRPr lang="ko-KR" altLang="en-US"/>
           </a:p>
@@ -2994,6 +2999,36 @@
           </a:p>
         </p:txBody>
       </p:sp>
+      <p:sp>
+        <p:nvSpPr>
+          <p:cNvPr id="3" name="TextBox 2"/>
+          <p:cNvSpPr txBox="1"/>
+          <p:nvPr/>
+        </p:nvSpPr>
+        <p:spPr>
+          <a:xfrm>
+            <a:off x="5302370" y="1066800"/>
+            <a:ext cx="891270" cy="369332"/>
+          </a:xfrm>
+          <a:prstGeom prst="rect">
+            <a:avLst/>
+          </a:prstGeom>
+          <a:noFill/>
+        </p:spPr>
+        <p:txBody>
+          <a:bodyPr wrap="none" rtlCol="0">
+            <a:spAutoFit/>
+          </a:bodyPr>
+          <a:lstStyle/>
+          <a:p>
+            <a:r>
+              <a:rPr lang="en-US" altLang="ko-KR" dirty="0" smtClean="0"/>
+              <a:t>master</a:t>
+            </a:r>
+            <a:endParaRPr lang="ko-KR" altLang="en-US" dirty="0"/>
+          </a:p>
+        </p:txBody>
+      </p:sp>
     </p:spTree>
     <p:extLst>
       <p:ext uri="{BB962C8B-B14F-4D97-AF65-F5344CB8AC3E}">

--- a/p.pptx
+++ b/p.pptx
@@ -2971,43 +2971,13 @@
       </p:grpSpPr>
       <p:sp>
         <p:nvSpPr>
-          <p:cNvPr id="4" name="TextBox 3"/>
-          <p:cNvSpPr txBox="1"/>
-          <p:nvPr/>
-        </p:nvSpPr>
-        <p:spPr>
-          <a:xfrm>
-            <a:off x="3717985" y="2078966"/>
-            <a:ext cx="311304" cy="369332"/>
-          </a:xfrm>
-          <a:prstGeom prst="rect">
-            <a:avLst/>
-          </a:prstGeom>
-          <a:noFill/>
-        </p:spPr>
-        <p:txBody>
-          <a:bodyPr wrap="none" rtlCol="0">
-            <a:spAutoFit/>
-          </a:bodyPr>
-          <a:lstStyle/>
-          <a:p>
-            <a:r>
-              <a:rPr lang="en-US" altLang="ko-KR" dirty="0" smtClean="0"/>
-              <a:t>2</a:t>
-            </a:r>
-            <a:endParaRPr lang="ko-KR" altLang="en-US" dirty="0"/>
-          </a:p>
-        </p:txBody>
-      </p:sp>
-      <p:sp>
-        <p:nvSpPr>
           <p:cNvPr id="3" name="TextBox 2"/>
           <p:cNvSpPr txBox="1"/>
           <p:nvPr/>
         </p:nvSpPr>
         <p:spPr>
           <a:xfrm>
-            <a:off x="5302370" y="1066800"/>
+            <a:off x="2817962" y="1092680"/>
             <a:ext cx="891270" cy="369332"/>
           </a:xfrm>
           <a:prstGeom prst="rect">

--- a/p.pptx
+++ b/p.pptx
@@ -2999,6 +2999,36 @@
           </a:p>
         </p:txBody>
       </p:sp>
+      <p:sp>
+        <p:nvSpPr>
+          <p:cNvPr id="4" name="TextBox 3"/>
+          <p:cNvSpPr txBox="1"/>
+          <p:nvPr/>
+        </p:nvSpPr>
+        <p:spPr>
+          <a:xfrm>
+            <a:off x="2817962" y="1848929"/>
+            <a:ext cx="559769" cy="369332"/>
+          </a:xfrm>
+          <a:prstGeom prst="rect">
+            <a:avLst/>
+          </a:prstGeom>
+          <a:noFill/>
+        </p:spPr>
+        <p:txBody>
+          <a:bodyPr wrap="none" rtlCol="0">
+            <a:spAutoFit/>
+          </a:bodyPr>
+          <a:lstStyle/>
+          <a:p>
+            <a:r>
+              <a:rPr lang="en-US" altLang="ko-KR" dirty="0" smtClean="0"/>
+              <a:t>dev</a:t>
+            </a:r>
+            <a:endParaRPr lang="ko-KR" altLang="en-US" dirty="0"/>
+          </a:p>
+        </p:txBody>
+      </p:sp>
     </p:spTree>
     <p:extLst>
       <p:ext uri="{BB962C8B-B14F-4D97-AF65-F5344CB8AC3E}">

--- a/p.pptx
+++ b/p.pptx
@@ -2999,6 +2999,36 @@
           </a:p>
         </p:txBody>
       </p:sp>
+      <p:sp>
+        <p:nvSpPr>
+          <p:cNvPr id="4" name="TextBox 3"/>
+          <p:cNvSpPr txBox="1"/>
+          <p:nvPr/>
+        </p:nvSpPr>
+        <p:spPr>
+          <a:xfrm>
+            <a:off x="2817962" y="511834"/>
+            <a:ext cx="1017907" cy="369332"/>
+          </a:xfrm>
+          <a:prstGeom prst="rect">
+            <a:avLst/>
+          </a:prstGeom>
+          <a:noFill/>
+        </p:spPr>
+        <p:txBody>
+          <a:bodyPr wrap="none" rtlCol="0">
+            <a:spAutoFit/>
+          </a:bodyPr>
+          <a:lstStyle/>
+          <a:p>
+            <a:r>
+              <a:rPr lang="en-US" altLang="ko-KR" dirty="0" err="1" smtClean="0"/>
+              <a:t>master2</a:t>
+            </a:r>
+            <a:endParaRPr lang="ko-KR" altLang="en-US" dirty="0"/>
+          </a:p>
+        </p:txBody>
+      </p:sp>
     </p:spTree>
     <p:extLst>
       <p:ext uri="{BB962C8B-B14F-4D97-AF65-F5344CB8AC3E}">
